--- a/Assignment 3 analysis.pptx
+++ b/Assignment 3 analysis.pptx
@@ -3271,7 +3271,7 @@
             <a:fld id="{5923F103-BC34-4FE4-A40E-EDDEECFDA5D0}" type="datetimeFigureOut">
               <a:rPr lang="en-US" dirty="0"/>
               <a:pPr/>
-              <a:t>08-Dec-20</a:t>
+              <a:t>11-Dec-20</a:t>
             </a:fld>
             <a:endParaRPr lang="en-US" dirty="0"/>
           </a:p>
@@ -4355,7 +4355,7 @@
           <a:p>
             <a:fld id="{923A1CC3-2375-41D4-9E03-427CAF2A4C1A}" type="datetimeFigureOut">
               <a:rPr lang="en-US" dirty="0"/>
-              <a:t>08-Dec-20</a:t>
+              <a:t>11-Dec-20</a:t>
             </a:fld>
             <a:endParaRPr lang="en-US" dirty="0"/>
           </a:p>
@@ -5331,7 +5331,7 @@
           <a:p>
             <a:fld id="{AFF16868-8199-4C2C-A5B1-63AEE139F88E}" type="datetimeFigureOut">
               <a:rPr lang="en-US" dirty="0"/>
-              <a:t>08-Dec-20</a:t>
+              <a:t>11-Dec-20</a:t>
             </a:fld>
             <a:endParaRPr lang="en-US" dirty="0"/>
           </a:p>
@@ -6461,7 +6461,7 @@
           <a:p>
             <a:fld id="{AAD9FF7F-6988-44CC-821B-644E70CD2F73}" type="datetimeFigureOut">
               <a:rPr lang="en-US" dirty="0"/>
-              <a:t>08-Dec-20</a:t>
+              <a:t>11-Dec-20</a:t>
             </a:fld>
             <a:endParaRPr lang="en-US" dirty="0"/>
           </a:p>
@@ -7490,7 +7490,7 @@
           <a:p>
             <a:fld id="{5C12C299-16B2-4475-990D-751901EACC14}" type="datetimeFigureOut">
               <a:rPr lang="en-US" dirty="0"/>
-              <a:t>08-Dec-20</a:t>
+              <a:t>11-Dec-20</a:t>
             </a:fld>
             <a:endParaRPr lang="en-US" dirty="0"/>
           </a:p>
@@ -8146,7 +8146,7 @@
           <a:p>
             <a:fld id="{9FE86839-B9D8-4651-8783-F325ECE74E65}" type="datetimeFigureOut">
               <a:rPr lang="en-US" dirty="0"/>
-              <a:t>08-Dec-20</a:t>
+              <a:t>11-Dec-20</a:t>
             </a:fld>
             <a:endParaRPr lang="en-US" dirty="0"/>
           </a:p>
@@ -9003,7 +9003,7 @@
           <a:p>
             <a:fld id="{FD484F64-32F6-45C5-931F-ADC1662401D0}" type="datetimeFigureOut">
               <a:rPr lang="en-US" dirty="0"/>
-              <a:t>08-Dec-20</a:t>
+              <a:t>11-Dec-20</a:t>
             </a:fld>
             <a:endParaRPr lang="en-US" dirty="0"/>
           </a:p>
@@ -9189,7 +9189,7 @@
           <a:p>
             <a:fld id="{53086D93-FCAC-47E0-A2EE-787E62CA814C}" type="datetimeFigureOut">
               <a:rPr lang="en-US" dirty="0"/>
-              <a:t>08-Dec-20</a:t>
+              <a:t>11-Dec-20</a:t>
             </a:fld>
             <a:endParaRPr lang="en-US" dirty="0"/>
           </a:p>
@@ -10157,7 +10157,7 @@
           <a:p>
             <a:fld id="{CDA879A6-0FD0-4734-A311-86BFCA472E6E}" type="datetimeFigureOut">
               <a:rPr lang="en-US" dirty="0"/>
-              <a:t>08-Dec-20</a:t>
+              <a:t>11-Dec-20</a:t>
             </a:fld>
             <a:endParaRPr lang="en-US" dirty="0"/>
           </a:p>
@@ -10364,7 +10364,7 @@
           <a:p>
             <a:fld id="{19C9CA7B-DFD4-44B5-8C60-D14B8CD1FB59}" type="datetimeFigureOut">
               <a:rPr lang="en-US" dirty="0"/>
-              <a:t>08-Dec-20</a:t>
+              <a:t>11-Dec-20</a:t>
             </a:fld>
             <a:endParaRPr lang="en-US" dirty="0"/>
           </a:p>
@@ -11394,7 +11394,7 @@
           <a:p>
             <a:fld id="{F34E6425-0181-43F2-84FC-787E803FD2F8}" type="datetimeFigureOut">
               <a:rPr lang="en-US" dirty="0"/>
-              <a:t>08-Dec-20</a:t>
+              <a:t>11-Dec-20</a:t>
             </a:fld>
             <a:endParaRPr lang="en-US" dirty="0"/>
           </a:p>
@@ -11662,7 +11662,7 @@
           <a:p>
             <a:fld id="{3BDB8791-F1B0-41E7-B7FD-A781E65C4266}" type="datetimeFigureOut">
               <a:rPr lang="en-US" dirty="0"/>
-              <a:t>08-Dec-20</a:t>
+              <a:t>11-Dec-20</a:t>
             </a:fld>
             <a:endParaRPr lang="en-US" dirty="0"/>
           </a:p>
@@ -12068,7 +12068,7 @@
           <a:p>
             <a:fld id="{5FDD63B2-E120-4ED8-B27B-C685F510A5FE}" type="datetimeFigureOut">
               <a:rPr lang="en-US" dirty="0"/>
-              <a:t>08-Dec-20</a:t>
+              <a:t>11-Dec-20</a:t>
             </a:fld>
             <a:endParaRPr lang="en-US" dirty="0"/>
           </a:p>
@@ -12191,7 +12191,7 @@
           <a:p>
             <a:fld id="{7AA18ACC-A947-437B-A130-35BD54FDF1E9}" type="datetimeFigureOut">
               <a:rPr lang="en-US" dirty="0"/>
-              <a:t>08-Dec-20</a:t>
+              <a:t>11-Dec-20</a:t>
             </a:fld>
             <a:endParaRPr lang="en-US" dirty="0"/>
           </a:p>
@@ -12282,7 +12282,7 @@
           <a:p>
             <a:fld id="{7C8D7E02-BCB8-4D50-A234-369438C08659}" type="datetimeFigureOut">
               <a:rPr lang="en-US" dirty="0"/>
-              <a:t>08-Dec-20</a:t>
+              <a:t>11-Dec-20</a:t>
             </a:fld>
             <a:endParaRPr lang="en-US" dirty="0"/>
           </a:p>
@@ -13359,7 +13359,7 @@
           <a:p>
             <a:fld id="{76E86A4C-8E40-4F87-A4F0-01A0687C5742}" type="datetimeFigureOut">
               <a:rPr lang="en-US" dirty="0"/>
-              <a:t>08-Dec-20</a:t>
+              <a:t>11-Dec-20</a:t>
             </a:fld>
             <a:endParaRPr lang="en-US" dirty="0"/>
           </a:p>
@@ -14463,7 +14463,7 @@
           <a:p>
             <a:fld id="{35E72C73-2D91-4E12-BA25-F0AA0C03599B}" type="datetimeFigureOut">
               <a:rPr lang="en-US" dirty="0"/>
-              <a:t>08-Dec-20</a:t>
+              <a:t>11-Dec-20</a:t>
             </a:fld>
             <a:endParaRPr lang="en-US" dirty="0"/>
           </a:p>
@@ -15456,7 +15456,7 @@
           <a:p>
             <a:fld id="{2BE451C3-0FF4-47C4-B829-773ADF60F88C}" type="datetimeFigureOut">
               <a:rPr lang="en-US" dirty="0"/>
-              <a:t>08-Dec-20</a:t>
+              <a:t>11-Dec-20</a:t>
             </a:fld>
             <a:endParaRPr lang="en-US" dirty="0"/>
           </a:p>
@@ -16040,31 +16040,6 @@
           </a:p>
         </p:txBody>
       </p:sp>
-      <p:sp>
-        <p:nvSpPr>
-          <p:cNvPr id="3" name="Subtitle 2">
-            <a:extLst>
-              <a:ext uri="{FF2B5EF4-FFF2-40B4-BE49-F238E27FC236}">
-                <a16:creationId xmlns:a16="http://schemas.microsoft.com/office/drawing/2014/main" id="{4418DA73-B63E-4CC3-BA61-F5CB6D5D7968}"/>
-              </a:ext>
-            </a:extLst>
-          </p:cNvPr>
-          <p:cNvSpPr>
-            <a:spLocks noGrp="1"/>
-          </p:cNvSpPr>
-          <p:nvPr>
-            <p:ph type="subTitle" idx="1"/>
-          </p:nvPr>
-        </p:nvSpPr>
-        <p:spPr/>
-        <p:txBody>
-          <a:bodyPr/>
-          <a:lstStyle/>
-          <a:p>
-            <a:endParaRPr lang="en-US"/>
-          </a:p>
-        </p:txBody>
-      </p:sp>
     </p:spTree>
     <p:extLst>
       <p:ext uri="{BB962C8B-B14F-4D97-AF65-F5344CB8AC3E}">
@@ -16404,6 +16379,27 @@
           <a:bodyPr/>
           <a:lstStyle/>
           <a:p>
+            <a:r>
+              <a:rPr lang="en-US" dirty="0"/>
+              <a:t>LSTM model better overall</a:t>
+            </a:r>
+          </a:p>
+          <a:p>
+            <a:r>
+              <a:rPr lang="en-US" dirty="0"/>
+              <a:t>Recall (no) significantly worse except on NB-FV</a:t>
+            </a:r>
+          </a:p>
+          <a:p>
+            <a:r>
+              <a:rPr lang="en-US" dirty="0"/>
+              <a:t>Filtered vocabulary doesn’t improve performance. Worse in some cases.</a:t>
+            </a:r>
+          </a:p>
+          <a:p>
+            <a:endParaRPr lang="en-US" dirty="0"/>
+          </a:p>
+          <a:p>
             <a:endParaRPr lang="en-US" dirty="0"/>
           </a:p>
         </p:txBody>

--- a/Assignment 3 analysis.pptx
+++ b/Assignment 3 analysis.pptx
@@ -321,25 +321,25 @@
                 <c:formatCode>General</c:formatCode>
                 <c:ptCount val="7"/>
                 <c:pt idx="0">
-                  <c:v>49.090899999999998</c:v>
+                  <c:v>74.545400000000001</c:v>
                 </c:pt>
                 <c:pt idx="1">
-                  <c:v>77.777699999999996</c:v>
+                  <c:v>72.093000000000004</c:v>
                 </c:pt>
                 <c:pt idx="2">
-                  <c:v>43.478200000000001</c:v>
+                  <c:v>83.333299999999994</c:v>
                 </c:pt>
                 <c:pt idx="3">
-                  <c:v>21.2121</c:v>
+                  <c:v>93.939300000000003</c:v>
                 </c:pt>
                 <c:pt idx="4">
-                  <c:v>90.909000000000006</c:v>
+                  <c:v>45.454500000000003</c:v>
                 </c:pt>
                 <c:pt idx="5">
-                  <c:v>33.333300000000001</c:v>
+                  <c:v>81.578900000000004</c:v>
                 </c:pt>
                 <c:pt idx="6">
-                  <c:v>58.823500000000003</c:v>
+                  <c:v>58.523499999999999</c:v>
                 </c:pt>
               </c:numCache>
             </c:numRef>
@@ -16111,7 +16111,7 @@
           <p:nvPr>
             <p:extLst>
               <p:ext uri="{D42A27DB-BD31-4B8C-83A1-F6EECF244321}">
-                <p14:modId xmlns:p14="http://schemas.microsoft.com/office/powerpoint/2010/main" val="2904187533"/>
+                <p14:modId xmlns:p14="http://schemas.microsoft.com/office/powerpoint/2010/main" val="1247177918"/>
               </p:ext>
             </p:extLst>
           </p:nvPr>
@@ -16387,13 +16387,18 @@
           <a:p>
             <a:r>
               <a:rPr lang="en-US" dirty="0"/>
-              <a:t>Recall (no) significantly worse except on NB-FV</a:t>
+              <a:t>Recall (no) significantly </a:t>
             </a:r>
+            <a:r>
+              <a:rPr lang="en-US"/>
+              <a:t>worse on every model</a:t>
+            </a:r>
+            <a:endParaRPr lang="en-US" dirty="0"/>
           </a:p>
           <a:p>
             <a:r>
               <a:rPr lang="en-US" dirty="0"/>
-              <a:t>Filtered vocabulary doesn’t improve performance. Worse in some cases.</a:t>
+              <a:t>Filtered vocabulary slightly better in all metrics</a:t>
             </a:r>
           </a:p>
           <a:p>

--- a/Assignment 3 analysis.pptx
+++ b/Assignment 3 analysis.pptx
@@ -1115,25 +1115,25 @@
                 <c:formatCode>General</c:formatCode>
                 <c:ptCount val="8"/>
                 <c:pt idx="0">
-                  <c:v>77.78</c:v>
+                  <c:v>74.55</c:v>
                 </c:pt>
                 <c:pt idx="1">
-                  <c:v>75.61</c:v>
+                  <c:v>77.14</c:v>
                 </c:pt>
                 <c:pt idx="2">
-                  <c:v>84.62</c:v>
+                  <c:v>70</c:v>
                 </c:pt>
                 <c:pt idx="3">
-                  <c:v>93.94</c:v>
+                  <c:v>81.819999999999993</c:v>
                 </c:pt>
                 <c:pt idx="4">
-                  <c:v>52.38</c:v>
+                  <c:v>63.64</c:v>
                 </c:pt>
                 <c:pt idx="5">
-                  <c:v>83.78</c:v>
+                  <c:v>79.41</c:v>
                 </c:pt>
                 <c:pt idx="6">
-                  <c:v>64.709999999999994</c:v>
+                  <c:v>66.67</c:v>
                 </c:pt>
               </c:numCache>
             </c:numRef>
@@ -1141,6 +1141,404 @@
           <c:extLst>
             <c:ext xmlns:c16="http://schemas.microsoft.com/office/drawing/2014/chart" uri="{C3380CC4-5D6E-409C-BE32-E72D297353CC}">
               <c16:uniqueId val="{0000000A-1CA2-4C0D-B51B-EAAFF027FBDC}"/>
+            </c:ext>
+          </c:extLst>
+        </c:ser>
+        <c:dLbls>
+          <c:showLegendKey val="0"/>
+          <c:showVal val="0"/>
+          <c:showCatName val="0"/>
+          <c:showSerName val="0"/>
+          <c:showPercent val="0"/>
+          <c:showBubbleSize val="0"/>
+        </c:dLbls>
+        <c:gapWidth val="219"/>
+        <c:overlap val="-27"/>
+        <c:axId val="546642208"/>
+        <c:axId val="546641880"/>
+      </c:barChart>
+      <c:catAx>
+        <c:axId val="546642208"/>
+        <c:scaling>
+          <c:orientation val="minMax"/>
+        </c:scaling>
+        <c:delete val="0"/>
+        <c:axPos val="b"/>
+        <c:numFmt formatCode="General" sourceLinked="1"/>
+        <c:majorTickMark val="none"/>
+        <c:minorTickMark val="none"/>
+        <c:tickLblPos val="nextTo"/>
+        <c:spPr>
+          <a:noFill/>
+          <a:ln w="9525" cap="flat" cmpd="sng" algn="ctr">
+            <a:solidFill>
+              <a:schemeClr val="tx1">
+                <a:lumMod val="15000"/>
+                <a:lumOff val="85000"/>
+              </a:schemeClr>
+            </a:solidFill>
+            <a:round/>
+          </a:ln>
+          <a:effectLst/>
+        </c:spPr>
+        <c:txPr>
+          <a:bodyPr rot="-60000000" spcFirstLastPara="1" vertOverflow="ellipsis" vert="horz" wrap="square" anchor="ctr" anchorCtr="1"/>
+          <a:lstStyle/>
+          <a:p>
+            <a:pPr>
+              <a:defRPr sz="1197" b="0" i="0" u="none" strike="noStrike" kern="1200" baseline="0">
+                <a:solidFill>
+                  <a:schemeClr val="tx1">
+                    <a:lumMod val="65000"/>
+                    <a:lumOff val="35000"/>
+                  </a:schemeClr>
+                </a:solidFill>
+                <a:latin typeface="+mn-lt"/>
+                <a:ea typeface="+mn-ea"/>
+                <a:cs typeface="+mn-cs"/>
+              </a:defRPr>
+            </a:pPr>
+            <a:endParaRPr lang="en-US"/>
+          </a:p>
+        </c:txPr>
+        <c:crossAx val="546641880"/>
+        <c:crosses val="autoZero"/>
+        <c:auto val="1"/>
+        <c:lblAlgn val="ctr"/>
+        <c:lblOffset val="100"/>
+        <c:noMultiLvlLbl val="0"/>
+      </c:catAx>
+      <c:valAx>
+        <c:axId val="546641880"/>
+        <c:scaling>
+          <c:orientation val="minMax"/>
+          <c:max val="100"/>
+        </c:scaling>
+        <c:delete val="0"/>
+        <c:axPos val="l"/>
+        <c:majorGridlines>
+          <c:spPr>
+            <a:ln w="9525" cap="flat" cmpd="sng" algn="ctr">
+              <a:solidFill>
+                <a:schemeClr val="tx1">
+                  <a:lumMod val="15000"/>
+                  <a:lumOff val="85000"/>
+                </a:schemeClr>
+              </a:solidFill>
+              <a:round/>
+            </a:ln>
+            <a:effectLst/>
+          </c:spPr>
+        </c:majorGridlines>
+        <c:numFmt formatCode="General" sourceLinked="1"/>
+        <c:majorTickMark val="none"/>
+        <c:minorTickMark val="none"/>
+        <c:tickLblPos val="nextTo"/>
+        <c:spPr>
+          <a:noFill/>
+          <a:ln>
+            <a:noFill/>
+          </a:ln>
+          <a:effectLst/>
+        </c:spPr>
+        <c:txPr>
+          <a:bodyPr rot="-60000000" spcFirstLastPara="1" vertOverflow="ellipsis" vert="horz" wrap="square" anchor="ctr" anchorCtr="1"/>
+          <a:lstStyle/>
+          <a:p>
+            <a:pPr>
+              <a:defRPr sz="1197" b="0" i="0" u="none" strike="noStrike" kern="1200" baseline="0">
+                <a:solidFill>
+                  <a:schemeClr val="tx1">
+                    <a:lumMod val="65000"/>
+                    <a:lumOff val="35000"/>
+                  </a:schemeClr>
+                </a:solidFill>
+                <a:latin typeface="+mn-lt"/>
+                <a:ea typeface="+mn-ea"/>
+                <a:cs typeface="+mn-cs"/>
+              </a:defRPr>
+            </a:pPr>
+            <a:endParaRPr lang="en-US"/>
+          </a:p>
+        </c:txPr>
+        <c:crossAx val="546642208"/>
+        <c:crosses val="autoZero"/>
+        <c:crossBetween val="between"/>
+      </c:valAx>
+      <c:spPr>
+        <a:noFill/>
+        <a:ln>
+          <a:noFill/>
+        </a:ln>
+        <a:effectLst/>
+      </c:spPr>
+    </c:plotArea>
+    <c:plotVisOnly val="1"/>
+    <c:dispBlanksAs val="gap"/>
+    <c:extLst>
+      <c:ext xmlns:c16r3="http://schemas.microsoft.com/office/drawing/2017/03/chart" uri="{56B9EC1D-385E-4148-901F-78D8002777C0}">
+        <c16r3:dataDisplayOptions16>
+          <c16r3:dispNaAsBlank val="1"/>
+        </c16r3:dataDisplayOptions16>
+      </c:ext>
+    </c:extLst>
+    <c:showDLblsOverMax val="0"/>
+  </c:chart>
+  <c:spPr>
+    <a:noFill/>
+    <a:ln>
+      <a:noFill/>
+    </a:ln>
+    <a:effectLst/>
+  </c:spPr>
+  <c:txPr>
+    <a:bodyPr/>
+    <a:lstStyle/>
+    <a:p>
+      <a:pPr>
+        <a:defRPr/>
+      </a:pPr>
+      <a:endParaRPr lang="en-US"/>
+    </a:p>
+  </c:txPr>
+  <c:externalData r:id="rId3">
+    <c:autoUpdate val="0"/>
+  </c:externalData>
+</c:chartSpace>
+</file>
+
+<file path=ppt/charts/chart4.xml><?xml version="1.0" encoding="utf-8"?>
+<c:chartSpace xmlns:c="http://schemas.openxmlformats.org/drawingml/2006/chart" xmlns:a="http://schemas.openxmlformats.org/drawingml/2006/main" xmlns:r="http://schemas.openxmlformats.org/officeDocument/2006/relationships" xmlns:c16r2="http://schemas.microsoft.com/office/drawing/2015/06/chart">
+  <c:date1904 val="0"/>
+  <c:lang val="en-US"/>
+  <c:roundedCorners val="0"/>
+  <mc:AlternateContent xmlns:mc="http://schemas.openxmlformats.org/markup-compatibility/2006">
+    <mc:Choice xmlns:c14="http://schemas.microsoft.com/office/drawing/2007/8/2/chart" Requires="c14">
+      <c14:style val="102"/>
+    </mc:Choice>
+    <mc:Fallback>
+      <c:style val="2"/>
+    </mc:Fallback>
+  </mc:AlternateContent>
+  <c:chart>
+    <c:title>
+      <c:overlay val="0"/>
+      <c:spPr>
+        <a:noFill/>
+        <a:ln>
+          <a:noFill/>
+        </a:ln>
+        <a:effectLst/>
+      </c:spPr>
+      <c:txPr>
+        <a:bodyPr rot="0" spcFirstLastPara="1" vertOverflow="ellipsis" vert="horz" wrap="square" anchor="ctr" anchorCtr="1"/>
+        <a:lstStyle/>
+        <a:p>
+          <a:pPr>
+            <a:defRPr sz="1862" b="0" i="0" u="none" strike="noStrike" kern="1200" spc="0" baseline="0">
+              <a:solidFill>
+                <a:schemeClr val="tx1">
+                  <a:lumMod val="65000"/>
+                  <a:lumOff val="35000"/>
+                </a:schemeClr>
+              </a:solidFill>
+              <a:latin typeface="+mn-lt"/>
+              <a:ea typeface="+mn-ea"/>
+              <a:cs typeface="+mn-cs"/>
+            </a:defRPr>
+          </a:pPr>
+          <a:endParaRPr lang="en-US"/>
+        </a:p>
+      </c:txPr>
+    </c:title>
+    <c:autoTitleDeleted val="0"/>
+    <c:plotArea>
+      <c:layout/>
+      <c:barChart>
+        <c:barDir val="col"/>
+        <c:grouping val="clustered"/>
+        <c:varyColors val="0"/>
+        <c:ser>
+          <c:idx val="0"/>
+          <c:order val="0"/>
+          <c:tx>
+            <c:strRef>
+              <c:f>Sheet1!$B$1</c:f>
+              <c:strCache>
+                <c:ptCount val="1"/>
+                <c:pt idx="0">
+                  <c:v>Filtered Vocabulary</c:v>
+                </c:pt>
+              </c:strCache>
+            </c:strRef>
+          </c:tx>
+          <c:spPr>
+            <a:solidFill>
+              <a:schemeClr val="accent1"/>
+            </a:solidFill>
+            <a:ln>
+              <a:noFill/>
+            </a:ln>
+            <a:effectLst/>
+          </c:spPr>
+          <c:invertIfNegative val="0"/>
+          <c:dPt>
+            <c:idx val="0"/>
+            <c:invertIfNegative val="0"/>
+            <c:bubble3D val="0"/>
+            <c:spPr>
+              <a:solidFill>
+                <a:srgbClr val="00B050"/>
+              </a:solidFill>
+              <a:ln>
+                <a:noFill/>
+              </a:ln>
+              <a:effectLst/>
+            </c:spPr>
+            <c:extLst>
+              <c:ext xmlns:c16="http://schemas.microsoft.com/office/drawing/2014/chart" uri="{C3380CC4-5D6E-409C-BE32-E72D297353CC}">
+                <c16:uniqueId val="{00000001-F7DB-47B6-99C1-F994C0FB9E7D}"/>
+              </c:ext>
+            </c:extLst>
+          </c:dPt>
+          <c:dPt>
+            <c:idx val="3"/>
+            <c:invertIfNegative val="0"/>
+            <c:bubble3D val="0"/>
+            <c:spPr>
+              <a:solidFill>
+                <a:srgbClr val="00B0F0"/>
+              </a:solidFill>
+              <a:ln>
+                <a:noFill/>
+              </a:ln>
+              <a:effectLst/>
+            </c:spPr>
+            <c:extLst>
+              <c:ext xmlns:c16="http://schemas.microsoft.com/office/drawing/2014/chart" uri="{C3380CC4-5D6E-409C-BE32-E72D297353CC}">
+                <c16:uniqueId val="{00000003-F7DB-47B6-99C1-F994C0FB9E7D}"/>
+              </c:ext>
+            </c:extLst>
+          </c:dPt>
+          <c:dPt>
+            <c:idx val="4"/>
+            <c:invertIfNegative val="0"/>
+            <c:bubble3D val="0"/>
+            <c:spPr>
+              <a:solidFill>
+                <a:srgbClr val="00B0F0"/>
+              </a:solidFill>
+              <a:ln>
+                <a:noFill/>
+              </a:ln>
+              <a:effectLst/>
+            </c:spPr>
+            <c:extLst>
+              <c:ext xmlns:c16="http://schemas.microsoft.com/office/drawing/2014/chart" uri="{C3380CC4-5D6E-409C-BE32-E72D297353CC}">
+                <c16:uniqueId val="{00000005-F7DB-47B6-99C1-F994C0FB9E7D}"/>
+              </c:ext>
+            </c:extLst>
+          </c:dPt>
+          <c:dPt>
+            <c:idx val="5"/>
+            <c:invertIfNegative val="0"/>
+            <c:bubble3D val="0"/>
+            <c:spPr>
+              <a:solidFill>
+                <a:srgbClr val="FFC000"/>
+              </a:solidFill>
+              <a:ln>
+                <a:noFill/>
+              </a:ln>
+              <a:effectLst/>
+            </c:spPr>
+            <c:extLst>
+              <c:ext xmlns:c16="http://schemas.microsoft.com/office/drawing/2014/chart" uri="{C3380CC4-5D6E-409C-BE32-E72D297353CC}">
+                <c16:uniqueId val="{00000007-F7DB-47B6-99C1-F994C0FB9E7D}"/>
+              </c:ext>
+            </c:extLst>
+          </c:dPt>
+          <c:dPt>
+            <c:idx val="6"/>
+            <c:invertIfNegative val="0"/>
+            <c:bubble3D val="0"/>
+            <c:spPr>
+              <a:solidFill>
+                <a:srgbClr val="FFC000"/>
+              </a:solidFill>
+              <a:ln>
+                <a:noFill/>
+              </a:ln>
+              <a:effectLst/>
+            </c:spPr>
+            <c:extLst>
+              <c:ext xmlns:c16="http://schemas.microsoft.com/office/drawing/2014/chart" uri="{C3380CC4-5D6E-409C-BE32-E72D297353CC}">
+                <c16:uniqueId val="{00000009-F7DB-47B6-99C1-F994C0FB9E7D}"/>
+              </c:ext>
+            </c:extLst>
+          </c:dPt>
+          <c:cat>
+            <c:strRef>
+              <c:f>Sheet1!$A$2:$A$8</c:f>
+              <c:strCache>
+                <c:ptCount val="7"/>
+                <c:pt idx="0">
+                  <c:v>Accuracy</c:v>
+                </c:pt>
+                <c:pt idx="1">
+                  <c:v>Precision (yes)</c:v>
+                </c:pt>
+                <c:pt idx="2">
+                  <c:v>Precision (no)</c:v>
+                </c:pt>
+                <c:pt idx="3">
+                  <c:v>Recall (yes)</c:v>
+                </c:pt>
+                <c:pt idx="4">
+                  <c:v>Recall (no)</c:v>
+                </c:pt>
+                <c:pt idx="5">
+                  <c:v>F1-Measure (yes)</c:v>
+                </c:pt>
+                <c:pt idx="6">
+                  <c:v>F1-Measure (no)</c:v>
+                </c:pt>
+              </c:strCache>
+            </c:strRef>
+          </c:cat>
+          <c:val>
+            <c:numRef>
+              <c:f>Sheet1!$B$2:$B$8</c:f>
+              <c:numCache>
+                <c:formatCode>General</c:formatCode>
+                <c:ptCount val="7"/>
+                <c:pt idx="0">
+                  <c:v>74.545400000000001</c:v>
+                </c:pt>
+                <c:pt idx="1">
+                  <c:v>72.093000000000004</c:v>
+                </c:pt>
+                <c:pt idx="2">
+                  <c:v>83.333299999999994</c:v>
+                </c:pt>
+                <c:pt idx="3">
+                  <c:v>93.939300000000003</c:v>
+                </c:pt>
+                <c:pt idx="4">
+                  <c:v>45.454500000000003</c:v>
+                </c:pt>
+                <c:pt idx="5">
+                  <c:v>81.578900000000004</c:v>
+                </c:pt>
+                <c:pt idx="6">
+                  <c:v>58.523499999999999</c:v>
+                </c:pt>
+              </c:numCache>
+            </c:numRef>
+          </c:val>
+          <c:extLst>
+            <c:ext xmlns:c16="http://schemas.microsoft.com/office/drawing/2014/chart" uri="{C3380CC4-5D6E-409C-BE32-E72D297353CC}">
+              <c16:uniqueId val="{0000000A-F7DB-47B6-99C1-F994C0FB9E7D}"/>
             </c:ext>
           </c:extLst>
         </c:ser>
@@ -1387,6 +1785,46 @@
 </file>
 
 <file path=ppt/charts/colors3.xml><?xml version="1.0" encoding="utf-8"?>
+<cs:colorStyle xmlns:cs="http://schemas.microsoft.com/office/drawing/2012/chartStyle" xmlns:a="http://schemas.openxmlformats.org/drawingml/2006/main" meth="cycle" id="10">
+  <a:schemeClr val="accent1"/>
+  <a:schemeClr val="accent2"/>
+  <a:schemeClr val="accent3"/>
+  <a:schemeClr val="accent4"/>
+  <a:schemeClr val="accent5"/>
+  <a:schemeClr val="accent6"/>
+  <cs:variation/>
+  <cs:variation>
+    <a:lumMod val="60000"/>
+  </cs:variation>
+  <cs:variation>
+    <a:lumMod val="80000"/>
+    <a:lumOff val="20000"/>
+  </cs:variation>
+  <cs:variation>
+    <a:lumMod val="80000"/>
+  </cs:variation>
+  <cs:variation>
+    <a:lumMod val="60000"/>
+    <a:lumOff val="40000"/>
+  </cs:variation>
+  <cs:variation>
+    <a:lumMod val="50000"/>
+  </cs:variation>
+  <cs:variation>
+    <a:lumMod val="70000"/>
+    <a:lumOff val="30000"/>
+  </cs:variation>
+  <cs:variation>
+    <a:lumMod val="70000"/>
+  </cs:variation>
+  <cs:variation>
+    <a:lumMod val="50000"/>
+    <a:lumOff val="50000"/>
+  </cs:variation>
+</cs:colorStyle>
+</file>
+
+<file path=ppt/charts/colors4.xml><?xml version="1.0" encoding="utf-8"?>
 <cs:colorStyle xmlns:cs="http://schemas.microsoft.com/office/drawing/2012/chartStyle" xmlns:a="http://schemas.openxmlformats.org/drawingml/2006/main" meth="cycle" id="10">
   <a:schemeClr val="accent1"/>
   <a:schemeClr val="accent2"/>
@@ -2935,6 +3373,509 @@
 </cs:chartStyle>
 </file>
 
+<file path=ppt/charts/style4.xml><?xml version="1.0" encoding="utf-8"?>
+<cs:chartStyle xmlns:cs="http://schemas.microsoft.com/office/drawing/2012/chartStyle" xmlns:a="http://schemas.openxmlformats.org/drawingml/2006/main" id="201">
+  <cs:axisTitle>
+    <cs:lnRef idx="0"/>
+    <cs:fillRef idx="0"/>
+    <cs:effectRef idx="0"/>
+    <cs:fontRef idx="minor">
+      <a:schemeClr val="tx1">
+        <a:lumMod val="65000"/>
+        <a:lumOff val="35000"/>
+      </a:schemeClr>
+    </cs:fontRef>
+    <cs:defRPr sz="1330" kern="1200"/>
+  </cs:axisTitle>
+  <cs:categoryAxis>
+    <cs:lnRef idx="0"/>
+    <cs:fillRef idx="0"/>
+    <cs:effectRef idx="0"/>
+    <cs:fontRef idx="minor">
+      <a:schemeClr val="tx1">
+        <a:lumMod val="65000"/>
+        <a:lumOff val="35000"/>
+      </a:schemeClr>
+    </cs:fontRef>
+    <cs:spPr>
+      <a:ln w="9525" cap="flat" cmpd="sng" algn="ctr">
+        <a:solidFill>
+          <a:schemeClr val="tx1">
+            <a:lumMod val="15000"/>
+            <a:lumOff val="85000"/>
+          </a:schemeClr>
+        </a:solidFill>
+        <a:round/>
+      </a:ln>
+    </cs:spPr>
+    <cs:defRPr sz="1197" kern="1200"/>
+  </cs:categoryAxis>
+  <cs:chartArea mods="allowNoFillOverride allowNoLineOverride">
+    <cs:lnRef idx="0"/>
+    <cs:fillRef idx="0"/>
+    <cs:effectRef idx="0"/>
+    <cs:fontRef idx="minor">
+      <a:schemeClr val="tx1"/>
+    </cs:fontRef>
+    <cs:spPr>
+      <a:solidFill>
+        <a:schemeClr val="bg1"/>
+      </a:solidFill>
+      <a:ln w="9525" cap="flat" cmpd="sng" algn="ctr">
+        <a:solidFill>
+          <a:schemeClr val="tx1">
+            <a:lumMod val="15000"/>
+            <a:lumOff val="85000"/>
+          </a:schemeClr>
+        </a:solidFill>
+        <a:round/>
+      </a:ln>
+    </cs:spPr>
+    <cs:defRPr sz="1330" kern="1200"/>
+  </cs:chartArea>
+  <cs:dataLabel>
+    <cs:lnRef idx="0"/>
+    <cs:fillRef idx="0"/>
+    <cs:effectRef idx="0"/>
+    <cs:fontRef idx="minor">
+      <a:schemeClr val="tx1">
+        <a:lumMod val="75000"/>
+        <a:lumOff val="25000"/>
+      </a:schemeClr>
+    </cs:fontRef>
+    <cs:defRPr sz="1197" kern="1200"/>
+  </cs:dataLabel>
+  <cs:dataLabelCallout>
+    <cs:lnRef idx="0"/>
+    <cs:fillRef idx="0"/>
+    <cs:effectRef idx="0"/>
+    <cs:fontRef idx="minor">
+      <a:schemeClr val="dk1">
+        <a:lumMod val="65000"/>
+        <a:lumOff val="35000"/>
+      </a:schemeClr>
+    </cs:fontRef>
+    <cs:spPr>
+      <a:solidFill>
+        <a:schemeClr val="lt1"/>
+      </a:solidFill>
+      <a:ln>
+        <a:solidFill>
+          <a:schemeClr val="dk1">
+            <a:lumMod val="25000"/>
+            <a:lumOff val="75000"/>
+          </a:schemeClr>
+        </a:solidFill>
+      </a:ln>
+    </cs:spPr>
+    <cs:defRPr sz="1197" kern="1200"/>
+    <cs:bodyPr rot="0" spcFirstLastPara="1" vertOverflow="clip" horzOverflow="clip" vert="horz" wrap="square" lIns="36576" tIns="18288" rIns="36576" bIns="18288" anchor="ctr" anchorCtr="1">
+      <a:spAutoFit/>
+    </cs:bodyPr>
+  </cs:dataLabelCallout>
+  <cs:dataPoint>
+    <cs:lnRef idx="0"/>
+    <cs:fillRef idx="1">
+      <cs:styleClr val="auto"/>
+    </cs:fillRef>
+    <cs:effectRef idx="0"/>
+    <cs:fontRef idx="minor">
+      <a:schemeClr val="tx1"/>
+    </cs:fontRef>
+  </cs:dataPoint>
+  <cs:dataPoint3D>
+    <cs:lnRef idx="0"/>
+    <cs:fillRef idx="1">
+      <cs:styleClr val="auto"/>
+    </cs:fillRef>
+    <cs:effectRef idx="0"/>
+    <cs:fontRef idx="minor">
+      <a:schemeClr val="tx1"/>
+    </cs:fontRef>
+  </cs:dataPoint3D>
+  <cs:dataPointLine>
+    <cs:lnRef idx="0">
+      <cs:styleClr val="auto"/>
+    </cs:lnRef>
+    <cs:fillRef idx="1"/>
+    <cs:effectRef idx="0"/>
+    <cs:fontRef idx="minor">
+      <a:schemeClr val="tx1"/>
+    </cs:fontRef>
+    <cs:spPr>
+      <a:ln w="28575" cap="rnd">
+        <a:solidFill>
+          <a:schemeClr val="phClr"/>
+        </a:solidFill>
+        <a:round/>
+      </a:ln>
+    </cs:spPr>
+  </cs:dataPointLine>
+  <cs:dataPointMarker>
+    <cs:lnRef idx="0">
+      <cs:styleClr val="auto"/>
+    </cs:lnRef>
+    <cs:fillRef idx="1">
+      <cs:styleClr val="auto"/>
+    </cs:fillRef>
+    <cs:effectRef idx="0"/>
+    <cs:fontRef idx="minor">
+      <a:schemeClr val="tx1"/>
+    </cs:fontRef>
+    <cs:spPr>
+      <a:ln w="9525">
+        <a:solidFill>
+          <a:schemeClr val="phClr"/>
+        </a:solidFill>
+      </a:ln>
+    </cs:spPr>
+  </cs:dataPointMarker>
+  <cs:dataPointMarkerLayout symbol="circle" size="5"/>
+  <cs:dataPointWireframe>
+    <cs:lnRef idx="0">
+      <cs:styleClr val="auto"/>
+    </cs:lnRef>
+    <cs:fillRef idx="1"/>
+    <cs:effectRef idx="0"/>
+    <cs:fontRef idx="minor">
+      <a:schemeClr val="tx1"/>
+    </cs:fontRef>
+    <cs:spPr>
+      <a:ln w="9525" cap="rnd">
+        <a:solidFill>
+          <a:schemeClr val="phClr"/>
+        </a:solidFill>
+        <a:round/>
+      </a:ln>
+    </cs:spPr>
+  </cs:dataPointWireframe>
+  <cs:dataTable>
+    <cs:lnRef idx="0"/>
+    <cs:fillRef idx="0"/>
+    <cs:effectRef idx="0"/>
+    <cs:fontRef idx="minor">
+      <a:schemeClr val="tx1">
+        <a:lumMod val="65000"/>
+        <a:lumOff val="35000"/>
+      </a:schemeClr>
+    </cs:fontRef>
+    <cs:spPr>
+      <a:noFill/>
+      <a:ln w="9525" cap="flat" cmpd="sng" algn="ctr">
+        <a:solidFill>
+          <a:schemeClr val="tx1">
+            <a:lumMod val="15000"/>
+            <a:lumOff val="85000"/>
+          </a:schemeClr>
+        </a:solidFill>
+        <a:round/>
+      </a:ln>
+    </cs:spPr>
+    <cs:defRPr sz="1197" kern="1200"/>
+  </cs:dataTable>
+  <cs:downBar>
+    <cs:lnRef idx="0"/>
+    <cs:fillRef idx="0"/>
+    <cs:effectRef idx="0"/>
+    <cs:fontRef idx="minor">
+      <a:schemeClr val="dk1"/>
+    </cs:fontRef>
+    <cs:spPr>
+      <a:solidFill>
+        <a:schemeClr val="dk1">
+          <a:lumMod val="65000"/>
+          <a:lumOff val="35000"/>
+        </a:schemeClr>
+      </a:solidFill>
+      <a:ln w="9525">
+        <a:solidFill>
+          <a:schemeClr val="tx1">
+            <a:lumMod val="65000"/>
+            <a:lumOff val="35000"/>
+          </a:schemeClr>
+        </a:solidFill>
+      </a:ln>
+    </cs:spPr>
+  </cs:downBar>
+  <cs:dropLine>
+    <cs:lnRef idx="0"/>
+    <cs:fillRef idx="0"/>
+    <cs:effectRef idx="0"/>
+    <cs:fontRef idx="minor">
+      <a:schemeClr val="tx1"/>
+    </cs:fontRef>
+    <cs:spPr>
+      <a:ln w="9525" cap="flat" cmpd="sng" algn="ctr">
+        <a:solidFill>
+          <a:schemeClr val="tx1">
+            <a:lumMod val="35000"/>
+            <a:lumOff val="65000"/>
+          </a:schemeClr>
+        </a:solidFill>
+        <a:round/>
+      </a:ln>
+    </cs:spPr>
+  </cs:dropLine>
+  <cs:errorBar>
+    <cs:lnRef idx="0"/>
+    <cs:fillRef idx="0"/>
+    <cs:effectRef idx="0"/>
+    <cs:fontRef idx="minor">
+      <a:schemeClr val="tx1"/>
+    </cs:fontRef>
+    <cs:spPr>
+      <a:ln w="9525" cap="flat" cmpd="sng" algn="ctr">
+        <a:solidFill>
+          <a:schemeClr val="tx1">
+            <a:lumMod val="65000"/>
+            <a:lumOff val="35000"/>
+          </a:schemeClr>
+        </a:solidFill>
+        <a:round/>
+      </a:ln>
+    </cs:spPr>
+  </cs:errorBar>
+  <cs:floor>
+    <cs:lnRef idx="0"/>
+    <cs:fillRef idx="0"/>
+    <cs:effectRef idx="0"/>
+    <cs:fontRef idx="minor">
+      <a:schemeClr val="tx1"/>
+    </cs:fontRef>
+    <cs:spPr>
+      <a:noFill/>
+      <a:ln>
+        <a:noFill/>
+      </a:ln>
+    </cs:spPr>
+  </cs:floor>
+  <cs:gridlineMajor>
+    <cs:lnRef idx="0"/>
+    <cs:fillRef idx="0"/>
+    <cs:effectRef idx="0"/>
+    <cs:fontRef idx="minor">
+      <a:schemeClr val="tx1"/>
+    </cs:fontRef>
+    <cs:spPr>
+      <a:ln w="9525" cap="flat" cmpd="sng" algn="ctr">
+        <a:solidFill>
+          <a:schemeClr val="tx1">
+            <a:lumMod val="15000"/>
+            <a:lumOff val="85000"/>
+          </a:schemeClr>
+        </a:solidFill>
+        <a:round/>
+      </a:ln>
+    </cs:spPr>
+  </cs:gridlineMajor>
+  <cs:gridlineMinor>
+    <cs:lnRef idx="0"/>
+    <cs:fillRef idx="0"/>
+    <cs:effectRef idx="0"/>
+    <cs:fontRef idx="minor">
+      <a:schemeClr val="tx1"/>
+    </cs:fontRef>
+    <cs:spPr>
+      <a:ln w="9525" cap="flat" cmpd="sng" algn="ctr">
+        <a:solidFill>
+          <a:schemeClr val="tx1">
+            <a:lumMod val="5000"/>
+            <a:lumOff val="95000"/>
+          </a:schemeClr>
+        </a:solidFill>
+        <a:round/>
+      </a:ln>
+    </cs:spPr>
+  </cs:gridlineMinor>
+  <cs:hiLoLine>
+    <cs:lnRef idx="0"/>
+    <cs:fillRef idx="0"/>
+    <cs:effectRef idx="0"/>
+    <cs:fontRef idx="minor">
+      <a:schemeClr val="tx1"/>
+    </cs:fontRef>
+    <cs:spPr>
+      <a:ln w="9525" cap="flat" cmpd="sng" algn="ctr">
+        <a:solidFill>
+          <a:schemeClr val="tx1">
+            <a:lumMod val="75000"/>
+            <a:lumOff val="25000"/>
+          </a:schemeClr>
+        </a:solidFill>
+        <a:round/>
+      </a:ln>
+    </cs:spPr>
+  </cs:hiLoLine>
+  <cs:leaderLine>
+    <cs:lnRef idx="0"/>
+    <cs:fillRef idx="0"/>
+    <cs:effectRef idx="0"/>
+    <cs:fontRef idx="minor">
+      <a:schemeClr val="tx1"/>
+    </cs:fontRef>
+    <cs:spPr>
+      <a:ln w="9525" cap="flat" cmpd="sng" algn="ctr">
+        <a:solidFill>
+          <a:schemeClr val="tx1">
+            <a:lumMod val="35000"/>
+            <a:lumOff val="65000"/>
+          </a:schemeClr>
+        </a:solidFill>
+        <a:round/>
+      </a:ln>
+    </cs:spPr>
+  </cs:leaderLine>
+  <cs:legend>
+    <cs:lnRef idx="0"/>
+    <cs:fillRef idx="0"/>
+    <cs:effectRef idx="0"/>
+    <cs:fontRef idx="minor">
+      <a:schemeClr val="tx1">
+        <a:lumMod val="65000"/>
+        <a:lumOff val="35000"/>
+      </a:schemeClr>
+    </cs:fontRef>
+    <cs:defRPr sz="1197" kern="1200"/>
+  </cs:legend>
+  <cs:plotArea mods="allowNoFillOverride allowNoLineOverride">
+    <cs:lnRef idx="0"/>
+    <cs:fillRef idx="0"/>
+    <cs:effectRef idx="0"/>
+    <cs:fontRef idx="minor">
+      <a:schemeClr val="tx1"/>
+    </cs:fontRef>
+  </cs:plotArea>
+  <cs:plotArea3D mods="allowNoFillOverride allowNoLineOverride">
+    <cs:lnRef idx="0"/>
+    <cs:fillRef idx="0"/>
+    <cs:effectRef idx="0"/>
+    <cs:fontRef idx="minor">
+      <a:schemeClr val="tx1"/>
+    </cs:fontRef>
+  </cs:plotArea3D>
+  <cs:seriesAxis>
+    <cs:lnRef idx="0"/>
+    <cs:fillRef idx="0"/>
+    <cs:effectRef idx="0"/>
+    <cs:fontRef idx="minor">
+      <a:schemeClr val="tx1">
+        <a:lumMod val="65000"/>
+        <a:lumOff val="35000"/>
+      </a:schemeClr>
+    </cs:fontRef>
+    <cs:defRPr sz="1197" kern="1200"/>
+  </cs:seriesAxis>
+  <cs:seriesLine>
+    <cs:lnRef idx="0"/>
+    <cs:fillRef idx="0"/>
+    <cs:effectRef idx="0"/>
+    <cs:fontRef idx="minor">
+      <a:schemeClr val="tx1"/>
+    </cs:fontRef>
+    <cs:spPr>
+      <a:ln w="9525" cap="flat" cmpd="sng" algn="ctr">
+        <a:solidFill>
+          <a:schemeClr val="tx1">
+            <a:lumMod val="35000"/>
+            <a:lumOff val="65000"/>
+          </a:schemeClr>
+        </a:solidFill>
+        <a:round/>
+      </a:ln>
+    </cs:spPr>
+  </cs:seriesLine>
+  <cs:title>
+    <cs:lnRef idx="0"/>
+    <cs:fillRef idx="0"/>
+    <cs:effectRef idx="0"/>
+    <cs:fontRef idx="minor">
+      <a:schemeClr val="tx1">
+        <a:lumMod val="65000"/>
+        <a:lumOff val="35000"/>
+      </a:schemeClr>
+    </cs:fontRef>
+    <cs:defRPr sz="1862" b="0" kern="1200" spc="0" baseline="0"/>
+  </cs:title>
+  <cs:trendline>
+    <cs:lnRef idx="0">
+      <cs:styleClr val="auto"/>
+    </cs:lnRef>
+    <cs:fillRef idx="0"/>
+    <cs:effectRef idx="0"/>
+    <cs:fontRef idx="minor">
+      <a:schemeClr val="tx1"/>
+    </cs:fontRef>
+    <cs:spPr>
+      <a:ln w="19050" cap="rnd">
+        <a:solidFill>
+          <a:schemeClr val="phClr"/>
+        </a:solidFill>
+        <a:prstDash val="sysDot"/>
+      </a:ln>
+    </cs:spPr>
+  </cs:trendline>
+  <cs:trendlineLabel>
+    <cs:lnRef idx="0"/>
+    <cs:fillRef idx="0"/>
+    <cs:effectRef idx="0"/>
+    <cs:fontRef idx="minor">
+      <a:schemeClr val="tx1">
+        <a:lumMod val="65000"/>
+        <a:lumOff val="35000"/>
+      </a:schemeClr>
+    </cs:fontRef>
+    <cs:defRPr sz="1197" kern="1200"/>
+  </cs:trendlineLabel>
+  <cs:upBar>
+    <cs:lnRef idx="0"/>
+    <cs:fillRef idx="0"/>
+    <cs:effectRef idx="0"/>
+    <cs:fontRef idx="minor">
+      <a:schemeClr val="dk1"/>
+    </cs:fontRef>
+    <cs:spPr>
+      <a:solidFill>
+        <a:schemeClr val="lt1"/>
+      </a:solidFill>
+      <a:ln w="9525">
+        <a:solidFill>
+          <a:schemeClr val="tx1">
+            <a:lumMod val="15000"/>
+            <a:lumOff val="85000"/>
+          </a:schemeClr>
+        </a:solidFill>
+      </a:ln>
+    </cs:spPr>
+  </cs:upBar>
+  <cs:valueAxis>
+    <cs:lnRef idx="0"/>
+    <cs:fillRef idx="0"/>
+    <cs:effectRef idx="0"/>
+    <cs:fontRef idx="minor">
+      <a:schemeClr val="tx1">
+        <a:lumMod val="65000"/>
+        <a:lumOff val="35000"/>
+      </a:schemeClr>
+    </cs:fontRef>
+    <cs:defRPr sz="1197" kern="1200"/>
+  </cs:valueAxis>
+  <cs:wall>
+    <cs:lnRef idx="0"/>
+    <cs:fillRef idx="0"/>
+    <cs:effectRef idx="0"/>
+    <cs:fontRef idx="minor">
+      <a:schemeClr val="tx1"/>
+    </cs:fontRef>
+    <cs:spPr>
+      <a:noFill/>
+      <a:ln>
+        <a:noFill/>
+      </a:ln>
+    </cs:spPr>
+  </cs:wall>
+</cs:chartStyle>
+</file>
+
 <file path=ppt/slideLayouts/slideLayout1.xml><?xml version="1.0" encoding="utf-8"?>
 <p:sldLayout xmlns:a="http://schemas.openxmlformats.org/drawingml/2006/main" xmlns:r="http://schemas.openxmlformats.org/officeDocument/2006/relationships" xmlns:p="http://schemas.openxmlformats.org/presentationml/2006/main" showMasterSp="0" type="title" preserve="1">
   <p:cSld name="Title Slide">
@@ -3271,7 +4212,7 @@
             <a:fld id="{5923F103-BC34-4FE4-A40E-EDDEECFDA5D0}" type="datetimeFigureOut">
               <a:rPr lang="en-US" dirty="0"/>
               <a:pPr/>
-              <a:t>11-Dec-20</a:t>
+              <a:t>13-Dec-20</a:t>
             </a:fld>
             <a:endParaRPr lang="en-US" dirty="0"/>
           </a:p>
@@ -4355,7 +5296,7 @@
           <a:p>
             <a:fld id="{923A1CC3-2375-41D4-9E03-427CAF2A4C1A}" type="datetimeFigureOut">
               <a:rPr lang="en-US" dirty="0"/>
-              <a:t>11-Dec-20</a:t>
+              <a:t>13-Dec-20</a:t>
             </a:fld>
             <a:endParaRPr lang="en-US" dirty="0"/>
           </a:p>
@@ -5331,7 +6272,7 @@
           <a:p>
             <a:fld id="{AFF16868-8199-4C2C-A5B1-63AEE139F88E}" type="datetimeFigureOut">
               <a:rPr lang="en-US" dirty="0"/>
-              <a:t>11-Dec-20</a:t>
+              <a:t>13-Dec-20</a:t>
             </a:fld>
             <a:endParaRPr lang="en-US" dirty="0"/>
           </a:p>
@@ -6461,7 +7402,7 @@
           <a:p>
             <a:fld id="{AAD9FF7F-6988-44CC-821B-644E70CD2F73}" type="datetimeFigureOut">
               <a:rPr lang="en-US" dirty="0"/>
-              <a:t>11-Dec-20</a:t>
+              <a:t>13-Dec-20</a:t>
             </a:fld>
             <a:endParaRPr lang="en-US" dirty="0"/>
           </a:p>
@@ -7490,7 +8431,7 @@
           <a:p>
             <a:fld id="{5C12C299-16B2-4475-990D-751901EACC14}" type="datetimeFigureOut">
               <a:rPr lang="en-US" dirty="0"/>
-              <a:t>11-Dec-20</a:t>
+              <a:t>13-Dec-20</a:t>
             </a:fld>
             <a:endParaRPr lang="en-US" dirty="0"/>
           </a:p>
@@ -8146,7 +9087,7 @@
           <a:p>
             <a:fld id="{9FE86839-B9D8-4651-8783-F325ECE74E65}" type="datetimeFigureOut">
               <a:rPr lang="en-US" dirty="0"/>
-              <a:t>11-Dec-20</a:t>
+              <a:t>13-Dec-20</a:t>
             </a:fld>
             <a:endParaRPr lang="en-US" dirty="0"/>
           </a:p>
@@ -9003,7 +9944,7 @@
           <a:p>
             <a:fld id="{FD484F64-32F6-45C5-931F-ADC1662401D0}" type="datetimeFigureOut">
               <a:rPr lang="en-US" dirty="0"/>
-              <a:t>11-Dec-20</a:t>
+              <a:t>13-Dec-20</a:t>
             </a:fld>
             <a:endParaRPr lang="en-US" dirty="0"/>
           </a:p>
@@ -9189,7 +10130,7 @@
           <a:p>
             <a:fld id="{53086D93-FCAC-47E0-A2EE-787E62CA814C}" type="datetimeFigureOut">
               <a:rPr lang="en-US" dirty="0"/>
-              <a:t>11-Dec-20</a:t>
+              <a:t>13-Dec-20</a:t>
             </a:fld>
             <a:endParaRPr lang="en-US" dirty="0"/>
           </a:p>
@@ -10157,7 +11098,7 @@
           <a:p>
             <a:fld id="{CDA879A6-0FD0-4734-A311-86BFCA472E6E}" type="datetimeFigureOut">
               <a:rPr lang="en-US" dirty="0"/>
-              <a:t>11-Dec-20</a:t>
+              <a:t>13-Dec-20</a:t>
             </a:fld>
             <a:endParaRPr lang="en-US" dirty="0"/>
           </a:p>
@@ -10364,7 +11305,7 @@
           <a:p>
             <a:fld id="{19C9CA7B-DFD4-44B5-8C60-D14B8CD1FB59}" type="datetimeFigureOut">
               <a:rPr lang="en-US" dirty="0"/>
-              <a:t>11-Dec-20</a:t>
+              <a:t>13-Dec-20</a:t>
             </a:fld>
             <a:endParaRPr lang="en-US" dirty="0"/>
           </a:p>
@@ -11394,7 +12335,7 @@
           <a:p>
             <a:fld id="{F34E6425-0181-43F2-84FC-787E803FD2F8}" type="datetimeFigureOut">
               <a:rPr lang="en-US" dirty="0"/>
-              <a:t>11-Dec-20</a:t>
+              <a:t>13-Dec-20</a:t>
             </a:fld>
             <a:endParaRPr lang="en-US" dirty="0"/>
           </a:p>
@@ -11662,7 +12603,7 @@
           <a:p>
             <a:fld id="{3BDB8791-F1B0-41E7-B7FD-A781E65C4266}" type="datetimeFigureOut">
               <a:rPr lang="en-US" dirty="0"/>
-              <a:t>11-Dec-20</a:t>
+              <a:t>13-Dec-20</a:t>
             </a:fld>
             <a:endParaRPr lang="en-US" dirty="0"/>
           </a:p>
@@ -12068,7 +13009,7 @@
           <a:p>
             <a:fld id="{5FDD63B2-E120-4ED8-B27B-C685F510A5FE}" type="datetimeFigureOut">
               <a:rPr lang="en-US" dirty="0"/>
-              <a:t>11-Dec-20</a:t>
+              <a:t>13-Dec-20</a:t>
             </a:fld>
             <a:endParaRPr lang="en-US" dirty="0"/>
           </a:p>
@@ -12191,7 +13132,7 @@
           <a:p>
             <a:fld id="{7AA18ACC-A947-437B-A130-35BD54FDF1E9}" type="datetimeFigureOut">
               <a:rPr lang="en-US" dirty="0"/>
-              <a:t>11-Dec-20</a:t>
+              <a:t>13-Dec-20</a:t>
             </a:fld>
             <a:endParaRPr lang="en-US" dirty="0"/>
           </a:p>
@@ -12282,7 +13223,7 @@
           <a:p>
             <a:fld id="{7C8D7E02-BCB8-4D50-A234-369438C08659}" type="datetimeFigureOut">
               <a:rPr lang="en-US" dirty="0"/>
-              <a:t>11-Dec-20</a:t>
+              <a:t>13-Dec-20</a:t>
             </a:fld>
             <a:endParaRPr lang="en-US" dirty="0"/>
           </a:p>
@@ -13359,7 +14300,7 @@
           <a:p>
             <a:fld id="{76E86A4C-8E40-4F87-A4F0-01A0687C5742}" type="datetimeFigureOut">
               <a:rPr lang="en-US" dirty="0"/>
-              <a:t>11-Dec-20</a:t>
+              <a:t>13-Dec-20</a:t>
             </a:fld>
             <a:endParaRPr lang="en-US" dirty="0"/>
           </a:p>
@@ -14463,7 +15404,7 @@
           <a:p>
             <a:fld id="{35E72C73-2D91-4E12-BA25-F0AA0C03599B}" type="datetimeFigureOut">
               <a:rPr lang="en-US" dirty="0"/>
-              <a:t>11-Dec-20</a:t>
+              <a:t>13-Dec-20</a:t>
             </a:fld>
             <a:endParaRPr lang="en-US" dirty="0"/>
           </a:p>
@@ -15456,7 +16397,7 @@
           <a:p>
             <a:fld id="{2BE451C3-0FF4-47C4-B829-773ADF60F88C}" type="datetimeFigureOut">
               <a:rPr lang="en-US" dirty="0"/>
-              <a:t>11-Dec-20</a:t>
+              <a:t>13-Dec-20</a:t>
             </a:fld>
             <a:endParaRPr lang="en-US" dirty="0"/>
           </a:p>
@@ -16285,18 +17226,46 @@
           <p:nvPr>
             <p:extLst>
               <p:ext uri="{D42A27DB-BD31-4B8C-83A1-F6EECF244321}">
-                <p14:modId xmlns:p14="http://schemas.microsoft.com/office/powerpoint/2010/main" val="3516872657"/>
+                <p14:modId xmlns:p14="http://schemas.microsoft.com/office/powerpoint/2010/main" val="3690703776"/>
               </p:ext>
             </p:extLst>
           </p:nvPr>
         </p:nvGraphicFramePr>
         <p:xfrm>
-          <a:off x="2933633" y="2241896"/>
-          <a:ext cx="6324733" cy="4091792"/>
+          <a:off x="5729681" y="2546269"/>
+          <a:ext cx="5975193" cy="3684381"/>
         </p:xfrm>
         <a:graphic>
           <a:graphicData uri="http://schemas.openxmlformats.org/drawingml/2006/chart">
             <c:chart xmlns:c="http://schemas.openxmlformats.org/drawingml/2006/chart" xmlns:r="http://schemas.openxmlformats.org/officeDocument/2006/relationships" r:id="rId2"/>
+          </a:graphicData>
+        </a:graphic>
+      </p:graphicFrame>
+      <p:graphicFrame>
+        <p:nvGraphicFramePr>
+          <p:cNvPr id="4" name="Chart 3">
+            <a:extLst>
+              <a:ext uri="{FF2B5EF4-FFF2-40B4-BE49-F238E27FC236}">
+                <a16:creationId xmlns:a16="http://schemas.microsoft.com/office/drawing/2014/main" id="{5A936518-9145-4E6F-82C0-912DB650ABF1}"/>
+              </a:ext>
+            </a:extLst>
+          </p:cNvPr>
+          <p:cNvGraphicFramePr/>
+          <p:nvPr>
+            <p:extLst>
+              <p:ext uri="{D42A27DB-BD31-4B8C-83A1-F6EECF244321}">
+                <p14:modId xmlns:p14="http://schemas.microsoft.com/office/powerpoint/2010/main" val="3281142162"/>
+              </p:ext>
+            </p:extLst>
+          </p:nvPr>
+        </p:nvGraphicFramePr>
+        <p:xfrm>
+          <a:off x="220320" y="2546269"/>
+          <a:ext cx="5315340" cy="3684381"/>
+        </p:xfrm>
+        <a:graphic>
+          <a:graphicData uri="http://schemas.openxmlformats.org/drawingml/2006/chart">
+            <c:chart xmlns:c="http://schemas.openxmlformats.org/drawingml/2006/chart" xmlns:r="http://schemas.openxmlformats.org/officeDocument/2006/relationships" r:id="rId3"/>
           </a:graphicData>
         </a:graphic>
       </p:graphicFrame>
@@ -16381,24 +17350,24 @@
           <a:p>
             <a:r>
               <a:rPr lang="en-US" dirty="0"/>
-              <a:t>LSTM model better overall</a:t>
+              <a:t>LSTM model comparable to the filtered Naïve Bayes model</a:t>
             </a:r>
           </a:p>
           <a:p>
             <a:r>
               <a:rPr lang="en-US" dirty="0"/>
-              <a:t>Recall (no) significantly </a:t>
+              <a:t>Recall (no) significantly worse on </a:t>
             </a:r>
             <a:r>
               <a:rPr lang="en-US"/>
-              <a:t>worse on every model</a:t>
+              <a:t>every model, much better on LSTM</a:t>
             </a:r>
             <a:endParaRPr lang="en-US" dirty="0"/>
           </a:p>
           <a:p>
             <a:r>
               <a:rPr lang="en-US" dirty="0"/>
-              <a:t>Filtered vocabulary slightly better in all metrics</a:t>
+              <a:t>Filtered vocabulary better in all metrics</a:t>
             </a:r>
           </a:p>
           <a:p>
